--- a/presentation/Inequality by Demographic Factors_NoTheory_5.pptx
+++ b/presentation/Inequality by Demographic Factors_NoTheory_5.pptx
@@ -154,7 +154,7 @@
   </p:defaultTextStyle>
   <p:extLst>
     <p:ext uri="{EFAFB233-063F-42B5-8137-9DF3F51BA10A}">
-      <p15:sldGuideLst xmlns:p15="http://schemas.microsoft.com/office/powerpoint/2012/main" xmlns="">
+      <p15:sldGuideLst xmlns="" xmlns:p15="http://schemas.microsoft.com/office/powerpoint/2012/main">
         <p15:guide id="1" orient="horz" pos="2160">
           <p15:clr>
             <a:srgbClr val="A4A3A4"/>
@@ -168,7 +168,7 @@
       </p15:sldGuideLst>
     </p:ext>
     <p:ext uri="{2D200454-40CA-4A62-9FC3-DE9A4176ACB9}">
-      <p15:notesGuideLst xmlns:p15="http://schemas.microsoft.com/office/powerpoint/2012/main" xmlns="">
+      <p15:notesGuideLst xmlns="" xmlns:p15="http://schemas.microsoft.com/office/powerpoint/2012/main">
         <p15:guide id="1" orient="horz" pos="3132">
           <p15:clr>
             <a:srgbClr val="A4A3A4"/>
@@ -8840,11 +8840,11 @@
             </a:r>
             <a:r>
               <a:rPr lang="en-US" i="1" dirty="0" smtClean="0"/>
-              <a:t>Inequality reaches a maximum at a single-share of about </a:t>
+              <a:t>Inequality reaches a maximum at a single-share of </a:t>
             </a:r>
             <a:r>
               <a:rPr lang="de-CH" i="1" dirty="0" smtClean="0"/>
-              <a:t>60%</a:t>
+              <a:t>63%</a:t>
             </a:r>
             <a:endParaRPr lang="en-US" i="1" dirty="0" smtClean="0"/>
           </a:p>
@@ -9499,7 +9499,7 @@
           <a:graphicData uri="http://schemas.openxmlformats.org/presentationml/2006/ole">
             <mc:AlternateContent xmlns:mc="http://schemas.openxmlformats.org/markup-compatibility/2006">
               <mc:Choice xmlns:v="urn:schemas-microsoft-com:vml" Requires="v">
-                <p:oleObj spid="_x0000_s12301" name="Worksheet" r:id="rId5" imgW="4057667" imgH="2962343" progId="Excel.Sheet.12">
+                <p:oleObj spid="_x0000_s12302" name="Worksheet" r:id="rId5" imgW="4057667" imgH="2962343" progId="Excel.Sheet.12">
                   <p:embed/>
                 </p:oleObj>
               </mc:Choice>
@@ -9763,16 +9763,13 @@
             </a:r>
             <a:r>
               <a:rPr lang="en-US" i="1" dirty="0"/>
-              <a:t>Inequality reaches a maximum at a single-share of about </a:t>
-            </a:r>
-            <a:r>
-              <a:rPr lang="de-CH" i="1" dirty="0"/>
-              <a:t>60</a:t>
+              <a:t>Inequality reaches a maximum at a single-share of </a:t>
             </a:r>
             <a:r>
               <a:rPr lang="de-CH" i="1" dirty="0" smtClean="0"/>
-              <a:t>%</a:t>
-            </a:r>
+              <a:t>63%</a:t>
+            </a:r>
+            <a:endParaRPr lang="de-CH" i="1" dirty="0" smtClean="0"/>
           </a:p>
           <a:p>
             <a:r>
@@ -14680,7 +14677,7 @@
           <a:graphicData uri="http://schemas.openxmlformats.org/presentationml/2006/ole">
             <mc:AlternateContent xmlns:mc="http://schemas.openxmlformats.org/markup-compatibility/2006">
               <mc:Choice xmlns:v="urn:schemas-microsoft-com:vml" Requires="v">
-                <p:oleObj spid="_x0000_s9241" name="Worksheet" r:id="rId5" imgW="4057667" imgH="1438343" progId="Excel.Sheet.12">
+                <p:oleObj spid="_x0000_s9242" name="Worksheet" r:id="rId5" imgW="4057667" imgH="1438343" progId="Excel.Sheet.12">
                   <p:embed/>
                 </p:oleObj>
               </mc:Choice>
@@ -16557,7 +16554,7 @@
           <a:graphicData uri="http://schemas.openxmlformats.org/presentationml/2006/ole">
             <mc:AlternateContent xmlns:mc="http://schemas.openxmlformats.org/markup-compatibility/2006">
               <mc:Choice xmlns:v="urn:schemas-microsoft-com:vml" Requires="v">
-                <p:oleObj spid="_x0000_s4157" name="Worksheet" r:id="rId5" imgW="4391011" imgH="2247900" progId="Excel.Sheet.12">
+                <p:oleObj spid="_x0000_s4158" name="Worksheet" r:id="rId5" imgW="4391011" imgH="2247900" progId="Excel.Sheet.12">
                   <p:embed/>
                 </p:oleObj>
               </mc:Choice>
@@ -16911,7 +16908,7 @@
           <a:graphicData uri="http://schemas.openxmlformats.org/presentationml/2006/ole">
             <mc:AlternateContent xmlns:mc="http://schemas.openxmlformats.org/markup-compatibility/2006">
               <mc:Choice xmlns:v="urn:schemas-microsoft-com:vml" Requires="v">
-                <p:oleObj spid="_x0000_s3148" name="Worksheet" r:id="rId5" imgW="3952855" imgH="2505143" progId="Excel.Sheet.12">
+                <p:oleObj spid="_x0000_s3149" name="Worksheet" r:id="rId5" imgW="3952855" imgH="2505143" progId="Excel.Sheet.12">
                   <p:embed/>
                 </p:oleObj>
               </mc:Choice>
@@ -18009,21 +18006,6 @@
 </file>
 
 <file path=customXml/item1.xml><?xml version="1.0" encoding="utf-8"?>
-<p:properties xmlns:p="http://schemas.microsoft.com/office/2006/metadata/properties" xmlns:xsi="http://www.w3.org/2001/XMLSchema-instance">
-  <documentManagement/>
-</p:properties>
-</file>
-
-<file path=customXml/item2.xml><?xml version="1.0" encoding="utf-8"?>
-<?mso-contentType ?>
-<FormTemplates xmlns="http://schemas.microsoft.com/sharepoint/v3/contenttype/forms">
-  <Display>DocumentLibraryForm</Display>
-  <Edit>DocumentLibraryForm</Edit>
-  <New>DocumentLibraryForm</New>
-</FormTemplates>
-</file>
-
-<file path=customXml/item3.xml><?xml version="1.0" encoding="utf-8"?>
 <ct:contentTypeSchema xmlns:ct="http://schemas.microsoft.com/office/2006/metadata/contentType" xmlns:ma="http://schemas.microsoft.com/office/2006/metadata/properties/metaAttributes" ct:_="" ma:_="" ma:contentTypeName="Dokument" ma:contentTypeID="0x01010055129612D1B29A4693F2F62632063D6A" ma:contentTypeVersion="0" ma:contentTypeDescription="Ein neues Dokument erstellen." ma:contentTypeScope="" ma:versionID="fba8d20abbd965724d3439c9b926458f">
   <xsd:schema xmlns:xsd="http://www.w3.org/2001/XMLSchema" xmlns:xs="http://www.w3.org/2001/XMLSchema" xmlns:p="http://schemas.microsoft.com/office/2006/metadata/properties" targetNamespace="http://schemas.microsoft.com/office/2006/metadata/properties" ma:root="true" ma:fieldsID="246f02dd96380beb4f7cdcce14d77fd6">
     <xsd:element name="properties">
@@ -18137,16 +18119,32 @@
 </ct:contentTypeSchema>
 </file>
 
+<file path=customXml/item2.xml><?xml version="1.0" encoding="utf-8"?>
+<?mso-contentType ?>
+<FormTemplates xmlns="http://schemas.microsoft.com/sharepoint/v3/contenttype/forms">
+  <Display>DocumentLibraryForm</Display>
+  <Edit>DocumentLibraryForm</Edit>
+  <New>DocumentLibraryForm</New>
+</FormTemplates>
+</file>
+
+<file path=customXml/item3.xml><?xml version="1.0" encoding="utf-8"?>
+<p:properties xmlns:p="http://schemas.microsoft.com/office/2006/metadata/properties" xmlns:xsi="http://www.w3.org/2001/XMLSchema-instance">
+  <documentManagement/>
+</p:properties>
+</file>
+
 <file path=customXml/itemProps1.xml><?xml version="1.0" encoding="utf-8"?>
-<ds:datastoreItem xmlns:ds="http://schemas.openxmlformats.org/officeDocument/2006/customXml" ds:itemID="{B470C3CE-871E-471D-827D-756DC4BA1786}">
+<ds:datastoreItem xmlns:ds="http://schemas.openxmlformats.org/officeDocument/2006/customXml" ds:itemID="{581BF47C-2126-4B8C-8663-51154515DD2F}">
   <ds:schemaRefs>
+    <ds:schemaRef ds:uri="http://schemas.microsoft.com/office/2006/metadata/contentType"/>
+    <ds:schemaRef ds:uri="http://schemas.microsoft.com/office/2006/metadata/properties/metaAttributes"/>
+    <ds:schemaRef ds:uri="http://www.w3.org/2001/XMLSchema"/>
+    <ds:schemaRef ds:uri="http://schemas.microsoft.com/office/2006/metadata/properties"/>
+    <ds:schemaRef ds:uri="http://schemas.openxmlformats.org/package/2006/metadata/core-properties"/>
+    <ds:schemaRef ds:uri="http://purl.org/dc/elements/1.1/"/>
     <ds:schemaRef ds:uri="http://purl.org/dc/terms/"/>
-    <ds:schemaRef ds:uri="http://schemas.openxmlformats.org/package/2006/metadata/core-properties"/>
-    <ds:schemaRef ds:uri="http://schemas.microsoft.com/office/2006/documentManagement/types"/>
-    <ds:schemaRef ds:uri="http://purl.org/dc/dcmitype/"/>
-    <ds:schemaRef ds:uri="http://schemas.microsoft.com/office/2006/metadata/properties"/>
-    <ds:schemaRef ds:uri="http://purl.org/dc/elements/1.1/"/>
-    <ds:schemaRef ds:uri="http://www.w3.org/XML/1998/namespace"/>
+    <ds:schemaRef ds:uri="http://schemas.microsoft.com/internal/obd"/>
     <ds:schemaRef ds:uri="http://schemas.microsoft.com/office/infopath/2007/PartnerControls"/>
   </ds:schemaRefs>
 </ds:datastoreItem>
@@ -18161,16 +18159,15 @@
 </file>
 
 <file path=customXml/itemProps3.xml><?xml version="1.0" encoding="utf-8"?>
-<ds:datastoreItem xmlns:ds="http://schemas.openxmlformats.org/officeDocument/2006/customXml" ds:itemID="{581BF47C-2126-4B8C-8663-51154515DD2F}">
+<ds:datastoreItem xmlns:ds="http://schemas.openxmlformats.org/officeDocument/2006/customXml" ds:itemID="{B470C3CE-871E-471D-827D-756DC4BA1786}">
   <ds:schemaRefs>
-    <ds:schemaRef ds:uri="http://schemas.microsoft.com/office/2006/metadata/contentType"/>
-    <ds:schemaRef ds:uri="http://schemas.microsoft.com/office/2006/metadata/properties/metaAttributes"/>
-    <ds:schemaRef ds:uri="http://www.w3.org/2001/XMLSchema"/>
+    <ds:schemaRef ds:uri="http://purl.org/dc/terms/"/>
+    <ds:schemaRef ds:uri="http://schemas.openxmlformats.org/package/2006/metadata/core-properties"/>
+    <ds:schemaRef ds:uri="http://schemas.microsoft.com/office/2006/documentManagement/types"/>
+    <ds:schemaRef ds:uri="http://purl.org/dc/dcmitype/"/>
     <ds:schemaRef ds:uri="http://schemas.microsoft.com/office/2006/metadata/properties"/>
-    <ds:schemaRef ds:uri="http://schemas.openxmlformats.org/package/2006/metadata/core-properties"/>
     <ds:schemaRef ds:uri="http://purl.org/dc/elements/1.1/"/>
-    <ds:schemaRef ds:uri="http://purl.org/dc/terms/"/>
-    <ds:schemaRef ds:uri="http://schemas.microsoft.com/internal/obd"/>
+    <ds:schemaRef ds:uri="http://www.w3.org/XML/1998/namespace"/>
     <ds:schemaRef ds:uri="http://schemas.microsoft.com/office/infopath/2007/PartnerControls"/>
   </ds:schemaRefs>
 </ds:datastoreItem>
